--- a/media-source/bc23-upgrade-unmodified-app.pptx
+++ b/media-source/bc23-upgrade-unmodified-app.pptx
@@ -261,7 +261,7 @@
           <a:p>
             <a:fld id="{320E6F19-E882-4BCB-B674-79AC8F1E2D23}" type="datetimeFigureOut">
               <a:rPr lang="en-US" smtClean="0"/>
-              <a:t>8/14/2023</a:t>
+              <a:t>3/15/2024</a:t>
             </a:fld>
             <a:endParaRPr lang="en-US"/>
           </a:p>
@@ -461,7 +461,7 @@
           <a:p>
             <a:fld id="{320E6F19-E882-4BCB-B674-79AC8F1E2D23}" type="datetimeFigureOut">
               <a:rPr lang="en-US" smtClean="0"/>
-              <a:t>8/14/2023</a:t>
+              <a:t>3/15/2024</a:t>
             </a:fld>
             <a:endParaRPr lang="en-US"/>
           </a:p>
@@ -671,7 +671,7 @@
           <a:p>
             <a:fld id="{320E6F19-E882-4BCB-B674-79AC8F1E2D23}" type="datetimeFigureOut">
               <a:rPr lang="en-US" smtClean="0"/>
-              <a:t>8/14/2023</a:t>
+              <a:t>3/15/2024</a:t>
             </a:fld>
             <a:endParaRPr lang="en-US"/>
           </a:p>
@@ -871,7 +871,7 @@
           <a:p>
             <a:fld id="{320E6F19-E882-4BCB-B674-79AC8F1E2D23}" type="datetimeFigureOut">
               <a:rPr lang="en-US" smtClean="0"/>
-              <a:t>8/14/2023</a:t>
+              <a:t>3/15/2024</a:t>
             </a:fld>
             <a:endParaRPr lang="en-US"/>
           </a:p>
@@ -1147,7 +1147,7 @@
           <a:p>
             <a:fld id="{320E6F19-E882-4BCB-B674-79AC8F1E2D23}" type="datetimeFigureOut">
               <a:rPr lang="en-US" smtClean="0"/>
-              <a:t>8/14/2023</a:t>
+              <a:t>3/15/2024</a:t>
             </a:fld>
             <a:endParaRPr lang="en-US"/>
           </a:p>
@@ -1415,7 +1415,7 @@
           <a:p>
             <a:fld id="{320E6F19-E882-4BCB-B674-79AC8F1E2D23}" type="datetimeFigureOut">
               <a:rPr lang="en-US" smtClean="0"/>
-              <a:t>8/14/2023</a:t>
+              <a:t>3/15/2024</a:t>
             </a:fld>
             <a:endParaRPr lang="en-US"/>
           </a:p>
@@ -1830,7 +1830,7 @@
           <a:p>
             <a:fld id="{320E6F19-E882-4BCB-B674-79AC8F1E2D23}" type="datetimeFigureOut">
               <a:rPr lang="en-US" smtClean="0"/>
-              <a:t>8/14/2023</a:t>
+              <a:t>3/15/2024</a:t>
             </a:fld>
             <a:endParaRPr lang="en-US"/>
           </a:p>
@@ -1972,7 +1972,7 @@
           <a:p>
             <a:fld id="{320E6F19-E882-4BCB-B674-79AC8F1E2D23}" type="datetimeFigureOut">
               <a:rPr lang="en-US" smtClean="0"/>
-              <a:t>8/14/2023</a:t>
+              <a:t>3/15/2024</a:t>
             </a:fld>
             <a:endParaRPr lang="en-US"/>
           </a:p>
@@ -2085,7 +2085,7 @@
           <a:p>
             <a:fld id="{320E6F19-E882-4BCB-B674-79AC8F1E2D23}" type="datetimeFigureOut">
               <a:rPr lang="en-US" smtClean="0"/>
-              <a:t>8/14/2023</a:t>
+              <a:t>3/15/2024</a:t>
             </a:fld>
             <a:endParaRPr lang="en-US"/>
           </a:p>
@@ -2398,7 +2398,7 @@
           <a:p>
             <a:fld id="{320E6F19-E882-4BCB-B674-79AC8F1E2D23}" type="datetimeFigureOut">
               <a:rPr lang="en-US" smtClean="0"/>
-              <a:t>8/14/2023</a:t>
+              <a:t>3/15/2024</a:t>
             </a:fld>
             <a:endParaRPr lang="en-US"/>
           </a:p>
@@ -2687,7 +2687,7 @@
           <a:p>
             <a:fld id="{320E6F19-E882-4BCB-B674-79AC8F1E2D23}" type="datetimeFigureOut">
               <a:rPr lang="en-US" smtClean="0"/>
-              <a:t>8/14/2023</a:t>
+              <a:t>3/15/2024</a:t>
             </a:fld>
             <a:endParaRPr lang="en-US"/>
           </a:p>
@@ -2930,7 +2930,7 @@
           <a:p>
             <a:fld id="{320E6F19-E882-4BCB-B674-79AC8F1E2D23}" type="datetimeFigureOut">
               <a:rPr lang="en-US" smtClean="0"/>
-              <a:t>8/14/2023</a:t>
+              <a:t>3/15/2024</a:t>
             </a:fld>
             <a:endParaRPr lang="en-US"/>
           </a:p>
@@ -3523,7 +3523,7 @@
                   <a:schemeClr val="bg1"/>
                 </a:solidFill>
               </a:rPr>
-              <a:t>V15-22</a:t>
+              <a:t>V15-23</a:t>
             </a:r>
             <a:endParaRPr lang="en-US" sz="1400" dirty="0">
               <a:solidFill>
@@ -3604,7 +3604,7 @@
                   <a:schemeClr val="bg1"/>
                 </a:solidFill>
               </a:rPr>
-              <a:t>V15-22</a:t>
+              <a:t>V15-23</a:t>
             </a:r>
             <a:endParaRPr lang="en-US" sz="1400" dirty="0">
               <a:solidFill>
@@ -3748,7 +3748,7 @@
                   <a:schemeClr val="bg1"/>
                 </a:solidFill>
               </a:rPr>
-              <a:t>V15-22</a:t>
+              <a:t>V15-23</a:t>
             </a:r>
             <a:endParaRPr lang="en-US" sz="1400" dirty="0">
               <a:solidFill>
@@ -3896,7 +3896,7 @@
                   <a:schemeClr val="bg1"/>
                 </a:solidFill>
               </a:rPr>
-              <a:t>V15-22</a:t>
+              <a:t>V15-23</a:t>
             </a:r>
             <a:endParaRPr lang="en-US" sz="1400" dirty="0">
               <a:solidFill>
@@ -4075,7 +4075,7 @@
                   <a:schemeClr val="bg1"/>
                 </a:solidFill>
               </a:rPr>
-              <a:t>V15-22</a:t>
+              <a:t>V15-23</a:t>
             </a:r>
             <a:endParaRPr lang="en-US" sz="1400" dirty="0">
               <a:solidFill>
@@ -4188,7 +4188,7 @@
                   <a:schemeClr val="bg1"/>
                 </a:solidFill>
               </a:rPr>
-              <a:t>System Symbols V15-22</a:t>
+              <a:t>System Symbols V15-23</a:t>
             </a:r>
             <a:endParaRPr lang="en-US" sz="1400" dirty="0">
               <a:solidFill>
@@ -4258,7 +4258,7 @@
                   <a:schemeClr val="bg1"/>
                 </a:solidFill>
               </a:rPr>
-              <a:t>Microsoft Application V15-22</a:t>
+              <a:t>Microsoft Application V15-23</a:t>
             </a:r>
             <a:endParaRPr lang="en-US" sz="1400" dirty="0">
               <a:solidFill>
@@ -4355,15 +4355,7 @@
           <a:p>
             <a:r>
               <a:rPr lang="da-DK" sz="1400" dirty="0"/>
-              <a:t>2023 Release </a:t>
-            </a:r>
-            <a:r>
-              <a:rPr lang="da-DK" sz="1400" dirty="0" err="1"/>
-              <a:t>Wave</a:t>
-            </a:r>
-            <a:r>
-              <a:rPr lang="da-DK" sz="1400" dirty="0"/>
-              <a:t> 2 (V23)</a:t>
+              <a:t>2024 Release Wave 1 (V24)</a:t>
             </a:r>
             <a:endParaRPr lang="en-US" sz="1400" dirty="0"/>
           </a:p>
@@ -4440,7 +4432,7 @@
                   <a:schemeClr val="bg1"/>
                 </a:solidFill>
               </a:rPr>
-              <a:t>V23</a:t>
+              <a:t>V24</a:t>
             </a:r>
             <a:endParaRPr lang="en-US" sz="1400" dirty="0">
               <a:solidFill>
@@ -4521,7 +4513,7 @@
                   <a:schemeClr val="bg1"/>
                 </a:solidFill>
               </a:rPr>
-              <a:t>V23</a:t>
+              <a:t>V24</a:t>
             </a:r>
             <a:endParaRPr lang="en-US" sz="1400" dirty="0">
               <a:solidFill>
@@ -4603,7 +4595,7 @@
                   <a:schemeClr val="bg1"/>
                 </a:solidFill>
               </a:rPr>
-              <a:t>V23</a:t>
+              <a:t>V24</a:t>
             </a:r>
             <a:endParaRPr lang="en-US" sz="1400" dirty="0">
               <a:solidFill>
@@ -4751,7 +4743,7 @@
                   <a:schemeClr val="bg1"/>
                 </a:solidFill>
               </a:rPr>
-              <a:t>V23</a:t>
+              <a:t>V24</a:t>
             </a:r>
             <a:endParaRPr lang="en-US" sz="1400" dirty="0">
               <a:solidFill>
@@ -4925,12 +4917,12 @@
           <a:p>
             <a:pPr algn="ctr"/>
             <a:r>
-              <a:rPr lang="da-DK" sz="1400">
+              <a:rPr lang="da-DK" sz="1400" dirty="0">
                 <a:solidFill>
                   <a:schemeClr val="bg1"/>
                 </a:solidFill>
               </a:rPr>
-              <a:t>V23</a:t>
+              <a:t>V24</a:t>
             </a:r>
             <a:endParaRPr lang="en-US" sz="1400" dirty="0">
               <a:solidFill>
@@ -5043,7 +5035,7 @@
                   <a:schemeClr val="bg1"/>
                 </a:solidFill>
               </a:rPr>
-              <a:t>System Symbols V23</a:t>
+              <a:t>System Symbols V24</a:t>
             </a:r>
           </a:p>
         </p:txBody>
@@ -5108,7 +5100,7 @@
                   <a:schemeClr val="bg1"/>
                 </a:solidFill>
               </a:rPr>
-              <a:t>Microsoft Application V23</a:t>
+              <a:t>Microsoft Application V24</a:t>
             </a:r>
           </a:p>
         </p:txBody>
